--- a/docs/articles/assets/pptx/theme_01.pptx
+++ b/docs/articles/assets/pptx/theme_01.pptx
@@ -110,7 +110,7 @@
 </p:presentation>
 </file>
 
-<file path=ppt/charts/chartbd526412b4.xml><?xml version="1.0" encoding="utf-8"?>
+<file path=ppt/charts/chart18451e246e63.xml><?xml version="1.0" encoding="utf-8"?>
 <c:chartSpace xmlns:c="http://schemas.openxmlformats.org/drawingml/2006/chart" xmlns:a="http://schemas.openxmlformats.org/drawingml/2006/main" xmlns:r="http://schemas.openxmlformats.org/officeDocument/2006/relationships">
   <c:date1904 val="0"/>
   <c:lang val="fr-FR"/>
@@ -187,6 +187,34 @@
             </a:ln>
           </c:spPr>
           <c:invertIfNegative val="0"/>
+          <c:dLbls>
+            <c:numFmt formatCode="General" sourceLinked="0"/>
+            <c:txPr>
+              <a:bodyPr/>
+              <a:lstStyle/>
+              <a:p>
+                <a:pPr>
+                  <a:defRPr>
+                    <a:solidFill>
+                      <a:srgbClr val="000000">
+                        <a:alpha val="100000"/>
+                      </a:srgbClr>
+                    </a:solidFill>
+                    <a:latin typeface="Arial"/>
+                    <a:cs typeface="Arial"/>
+                  </a:defRPr>
+                </a:pPr>
+              </a:p>
+            </c:txPr>
+            <c:dLblPos val="ctr"/>
+            <c:showLegendKey val="0"/>
+            <c:showVal val="0"/>
+            <c:showCatName val="0"/>
+            <c:showSerName val="0"/>
+            <c:showPercent val="0"/>
+            <c:showBubbleSize val="0"/>
+            <c:separator val=", "/>
+          </c:dLbls>
           <c:cat>
             <c:strRef>
               <c:f>sheet1!$A$2:$A$7</c:f>
@@ -269,6 +297,34 @@
             </a:ln>
           </c:spPr>
           <c:invertIfNegative val="0"/>
+          <c:dLbls>
+            <c:numFmt formatCode="General" sourceLinked="0"/>
+            <c:txPr>
+              <a:bodyPr/>
+              <a:lstStyle/>
+              <a:p>
+                <a:pPr>
+                  <a:defRPr>
+                    <a:solidFill>
+                      <a:srgbClr val="000000">
+                        <a:alpha val="100000"/>
+                      </a:srgbClr>
+                    </a:solidFill>
+                    <a:latin typeface="Arial"/>
+                    <a:cs typeface="Arial"/>
+                  </a:defRPr>
+                </a:pPr>
+              </a:p>
+            </c:txPr>
+            <c:dLblPos val="ctr"/>
+            <c:showLegendKey val="0"/>
+            <c:showVal val="0"/>
+            <c:showCatName val="0"/>
+            <c:showSerName val="0"/>
+            <c:showPercent val="0"/>
+            <c:showBubbleSize val="0"/>
+            <c:separator val=", "/>
+          </c:dLbls>
           <c:cat>
             <c:strRef>
               <c:f>sheet1!$A$2:$A$7</c:f>
@@ -351,6 +407,34 @@
             </a:ln>
           </c:spPr>
           <c:invertIfNegative val="0"/>
+          <c:dLbls>
+            <c:numFmt formatCode="General" sourceLinked="0"/>
+            <c:txPr>
+              <a:bodyPr/>
+              <a:lstStyle/>
+              <a:p>
+                <a:pPr>
+                  <a:defRPr>
+                    <a:solidFill>
+                      <a:srgbClr val="000000">
+                        <a:alpha val="100000"/>
+                      </a:srgbClr>
+                    </a:solidFill>
+                    <a:latin typeface="Arial"/>
+                    <a:cs typeface="Arial"/>
+                  </a:defRPr>
+                </a:pPr>
+              </a:p>
+            </c:txPr>
+            <c:dLblPos val="ctr"/>
+            <c:showLegendKey val="0"/>
+            <c:showVal val="0"/>
+            <c:showCatName val="0"/>
+            <c:showSerName val="0"/>
+            <c:showPercent val="0"/>
+            <c:showBubbleSize val="0"/>
+            <c:separator val=", "/>
+          </c:dLbls>
           <c:cat>
             <c:strRef>
               <c:f>sheet1!$A$2:$A$7</c:f>
@@ -439,14 +523,6 @@
             </a:ln>
           </c:spPr>
         </c:majorGridlines>
-        <c:minorGridlines>
-          <c:spPr>
-            <a:ln algn="ctr" w="0">
-              <a:noFill/>
-              <a:prstDash val="solid"/>
-            </a:ln>
-          </c:spPr>
-        </c:minorGridlines>
         <c:title>
           <c:tx>
             <c:rich>
@@ -527,14 +603,6 @@
             </a:ln>
           </c:spPr>
         </c:majorGridlines>
-        <c:minorGridlines>
-          <c:spPr>
-            <a:ln algn="ctr" w="0">
-              <a:noFill/>
-              <a:prstDash val="solid"/>
-            </a:ln>
-          </c:spPr>
-        </c:minorGridlines>
         <c:title>
           <c:tx>
             <c:rich>
@@ -2745,7 +2813,7 @@
       </p:grpSpPr>
       <p:graphicFrame xmlns:a="http://schemas.openxmlformats.org/drawingml/2006/main" xmlns:r="http://schemas.openxmlformats.org/officeDocument/2006/relationships" xmlns:p="http://schemas.openxmlformats.org/presentationml/2006/main">
         <p:nvGraphicFramePr>
-          <p:cNvPr name="" id="2"/>
+          <p:cNvPr id="2" name=""/>
           <p:cNvGraphicFramePr>
             <a:graphicFrameLocks noGrp="true"/>
           </p:cNvGraphicFramePr>

--- a/docs/articles/assets/pptx/theme_01.pptx
+++ b/docs/articles/assets/pptx/theme_01.pptx
@@ -110,7 +110,7 @@
 </p:presentation>
 </file>
 
-<file path=ppt/charts/chart18451e246e63.xml><?xml version="1.0" encoding="utf-8"?>
+<file path=ppt/charts/chart170b421717e01.xml><?xml version="1.0" encoding="utf-8"?>
 <c:chartSpace xmlns:c="http://schemas.openxmlformats.org/drawingml/2006/chart" xmlns:a="http://schemas.openxmlformats.org/drawingml/2006/main" xmlns:r="http://schemas.openxmlformats.org/officeDocument/2006/relationships">
   <c:date1904 val="0"/>
   <c:lang val="fr-FR"/>
@@ -134,7 +134,7 @@
               <a:defRPr/>
             </a:pPr>
             <a:r>
-              <a:rPr sz="2400" b="1">
+              <a:rPr cap="none" sz="2400" b="1">
                 <a:solidFill>
                   <a:srgbClr val="0D6797">
                     <a:alpha val="100000"/>
@@ -185,6 +185,7 @@
                 </a:srgbClr>
               </a:solidFill>
             </a:ln>
+            <a:effectLst/>
           </c:spPr>
           <c:invertIfNegative val="0"/>
           <c:dLbls>
@@ -194,7 +195,7 @@
               <a:lstStyle/>
               <a:p>
                 <a:pPr>
-                  <a:defRPr>
+                  <a:defRPr cap="none">
                     <a:solidFill>
                       <a:srgbClr val="000000">
                         <a:alpha val="100000"/>
@@ -295,6 +296,7 @@
                 </a:srgbClr>
               </a:solidFill>
             </a:ln>
+            <a:effectLst/>
           </c:spPr>
           <c:invertIfNegative val="0"/>
           <c:dLbls>
@@ -304,7 +306,7 @@
               <a:lstStyle/>
               <a:p>
                 <a:pPr>
-                  <a:defRPr>
+                  <a:defRPr cap="none">
                     <a:solidFill>
                       <a:srgbClr val="000000">
                         <a:alpha val="100000"/>
@@ -405,6 +407,7 @@
                 </a:srgbClr>
               </a:solidFill>
             </a:ln>
+            <a:effectLst/>
           </c:spPr>
           <c:invertIfNegative val="0"/>
           <c:dLbls>
@@ -414,7 +417,7 @@
               <a:lstStyle/>
               <a:p>
                 <a:pPr>
-                  <a:defRPr>
+                  <a:defRPr cap="none">
                     <a:solidFill>
                       <a:srgbClr val="000000">
                         <a:alpha val="100000"/>
@@ -533,7 +536,7 @@
                   <a:defRPr/>
                 </a:pPr>
                 <a:r>
-                  <a:rPr sz="2000" i="1">
+                  <a:rPr cap="none" sz="2000" i="1">
                     <a:solidFill>
                       <a:srgbClr val="0D6797">
                         <a:alpha val="100000"/>
@@ -558,7 +561,7 @@
           <a:lstStyle/>
           <a:p>
             <a:pPr>
-              <a:defRPr sz="1000">
+              <a:defRPr cap="none" sz="1000">
                 <a:solidFill>
                   <a:srgbClr val="000000">
                     <a:alpha val="100000"/>
@@ -613,7 +616,7 @@
                   <a:defRPr/>
                 </a:pPr>
                 <a:r>
-                  <a:rPr sz="2000" i="1">
+                  <a:rPr cap="none" sz="2000" i="1">
                     <a:solidFill>
                       <a:srgbClr val="0D6797">
                         <a:alpha val="100000"/>
@@ -638,7 +641,7 @@
           <a:lstStyle/>
           <a:p>
             <a:pPr>
-              <a:defRPr sz="1000">
+              <a:defRPr cap="none" sz="1000">
                 <a:solidFill>
                   <a:srgbClr val="000000">
                     <a:alpha val="100000"/>
@@ -674,7 +677,7 @@
         <a:lstStyle/>
         <a:p>
           <a:pPr>
-            <a:defRPr sz="1400">
+            <a:defRPr cap="none" sz="1400">
               <a:solidFill>
                 <a:srgbClr val="000000">
                   <a:alpha val="100000"/>
